--- a/03 Delay effects/B - Vibrato/Vibrato.pptx
+++ b/03 Delay effects/B - Vibrato/Vibrato.pptx
@@ -135,6 +135,43 @@
 </p:presentation>
 </file>
 
+<file path=ppt/revisionInfo.xml><?xml version="1.0" encoding="utf-8"?>
+<p1510:revInfo xmlns:a="http://schemas.openxmlformats.org/drawingml/2006/main" xmlns:r="http://schemas.openxmlformats.org/officeDocument/2006/relationships" xmlns:p1510="http://schemas.microsoft.com/office/powerpoint/2015/10/main">
+  <p1510:revLst>
+    <p1510:client id="{F174ACA5-7A68-4BA4-8358-08ACB87B7E8F}" v="1" dt="2025-02-13T16:25:52.881"/>
+  </p1510:revLst>
+</p1510:revInfo>
+</file>
+
+<file path=ppt/changesInfos/changesInfo1.xml><?xml version="1.0" encoding="utf-8"?>
+<pc:chgInfo xmlns:a="http://schemas.openxmlformats.org/drawingml/2006/main" xmlns:r="http://schemas.openxmlformats.org/officeDocument/2006/relationships" xmlns:ac="http://schemas.microsoft.com/office/drawing/2013/main/command" xmlns:pc="http://schemas.microsoft.com/office/powerpoint/2013/main/command">
+  <pc:docChgLst>
+    <pc:chgData name="Joshua Reiss" userId="71f87c30-4769-4a42-a082-a6a82298c8cb" providerId="ADAL" clId="{F174ACA5-7A68-4BA4-8358-08ACB87B7E8F}"/>
+    <pc:docChg chg="modSld">
+      <pc:chgData name="Joshua Reiss" userId="71f87c30-4769-4a42-a082-a6a82298c8cb" providerId="ADAL" clId="{F174ACA5-7A68-4BA4-8358-08ACB87B7E8F}" dt="2025-02-13T16:25:52.879" v="0"/>
+      <pc:docMkLst>
+        <pc:docMk/>
+      </pc:docMkLst>
+      <pc:sldChg chg="modSp modAnim">
+        <pc:chgData name="Joshua Reiss" userId="71f87c30-4769-4a42-a082-a6a82298c8cb" providerId="ADAL" clId="{F174ACA5-7A68-4BA4-8358-08ACB87B7E8F}" dt="2025-02-13T16:25:52.879" v="0"/>
+        <pc:sldMkLst>
+          <pc:docMk/>
+          <pc:sldMk cId="3651626847" sldId="282"/>
+        </pc:sldMkLst>
+        <pc:picChg chg="mod">
+          <ac:chgData name="Joshua Reiss" userId="71f87c30-4769-4a42-a082-a6a82298c8cb" providerId="ADAL" clId="{F174ACA5-7A68-4BA4-8358-08ACB87B7E8F}" dt="2025-02-13T16:25:52.879" v="0"/>
+          <ac:picMkLst>
+            <pc:docMk/>
+            <pc:sldMk cId="3651626847" sldId="282"/>
+            <ac:picMk id="7" creationId="{00000000-0000-0000-0000-000000000000}"/>
+          </ac:picMkLst>
+        </pc:picChg>
+      </pc:sldChg>
+    </pc:docChg>
+  </pc:docChgLst>
+</pc:chgInfo>
+</file>
+
 <file path=ppt/notesMasters/notesMaster1.xml><?xml version="1.0" encoding="utf-8"?>
 <p:notesMaster xmlns:a="http://schemas.openxmlformats.org/drawingml/2006/main" xmlns:r="http://schemas.openxmlformats.org/officeDocument/2006/relationships" xmlns:p="http://schemas.openxmlformats.org/presentationml/2006/main">
   <p:cSld>
@@ -217,7 +254,7 @@
           <a:p>
             <a:fld id="{58338CC4-4E61-4E88-8B97-D8247B067FE5}" type="datetimeFigureOut">
               <a:rPr lang="en-GB" smtClean="0"/>
-              <a:t>16/02/2024</a:t>
+              <a:t>13/02/2025</a:t>
             </a:fld>
             <a:endParaRPr lang="en-GB"/>
           </a:p>
@@ -1855,7 +1892,7 @@
           <a:p>
             <a:fld id="{748D5B09-12A7-4EF1-A404-D455741B18AB}" type="datetimeFigureOut">
               <a:rPr lang="en-GB" smtClean="0"/>
-              <a:t>16/02/2024</a:t>
+              <a:t>13/02/2025</a:t>
             </a:fld>
             <a:endParaRPr lang="en-GB"/>
           </a:p>
@@ -2055,7 +2092,7 @@
           <a:p>
             <a:fld id="{748D5B09-12A7-4EF1-A404-D455741B18AB}" type="datetimeFigureOut">
               <a:rPr lang="en-GB" smtClean="0"/>
-              <a:t>16/02/2024</a:t>
+              <a:t>13/02/2025</a:t>
             </a:fld>
             <a:endParaRPr lang="en-GB"/>
           </a:p>
@@ -2265,7 +2302,7 @@
           <a:p>
             <a:fld id="{748D5B09-12A7-4EF1-A404-D455741B18AB}" type="datetimeFigureOut">
               <a:rPr lang="en-GB" smtClean="0"/>
-              <a:t>16/02/2024</a:t>
+              <a:t>13/02/2025</a:t>
             </a:fld>
             <a:endParaRPr lang="en-GB"/>
           </a:p>
@@ -3694,7 +3731,7 @@
           <a:p>
             <a:fld id="{748D5B09-12A7-4EF1-A404-D455741B18AB}" type="datetimeFigureOut">
               <a:rPr lang="en-GB" smtClean="0"/>
-              <a:t>16/02/2024</a:t>
+              <a:t>13/02/2025</a:t>
             </a:fld>
             <a:endParaRPr lang="en-GB"/>
           </a:p>
@@ -4322,7 +4359,7 @@
           <a:p>
             <a:fld id="{F8A5948D-6B6B-4AEB-B022-F2A9ADD6F77D}" type="datetimeFigureOut">
               <a:rPr lang="en-GB" smtClean="0"/>
-              <a:t>16/02/2024</a:t>
+              <a:t>13/02/2025</a:t>
             </a:fld>
             <a:endParaRPr lang="en-GB"/>
           </a:p>
@@ -4527,7 +4564,7 @@
           <a:p>
             <a:fld id="{F8A5948D-6B6B-4AEB-B022-F2A9ADD6F77D}" type="datetimeFigureOut">
               <a:rPr lang="en-GB" smtClean="0"/>
-              <a:t>16/02/2024</a:t>
+              <a:t>13/02/2025</a:t>
             </a:fld>
             <a:endParaRPr lang="en-GB"/>
           </a:p>
@@ -4803,7 +4840,7 @@
           <a:p>
             <a:fld id="{F8A5948D-6B6B-4AEB-B022-F2A9ADD6F77D}" type="datetimeFigureOut">
               <a:rPr lang="en-GB" smtClean="0"/>
-              <a:t>16/02/2024</a:t>
+              <a:t>13/02/2025</a:t>
             </a:fld>
             <a:endParaRPr lang="en-GB"/>
           </a:p>
@@ -5071,7 +5108,7 @@
           <a:p>
             <a:fld id="{F8A5948D-6B6B-4AEB-B022-F2A9ADD6F77D}" type="datetimeFigureOut">
               <a:rPr lang="en-GB" smtClean="0"/>
-              <a:t>16/02/2024</a:t>
+              <a:t>13/02/2025</a:t>
             </a:fld>
             <a:endParaRPr lang="en-GB"/>
           </a:p>
@@ -5486,7 +5523,7 @@
           <a:p>
             <a:fld id="{F8A5948D-6B6B-4AEB-B022-F2A9ADD6F77D}" type="datetimeFigureOut">
               <a:rPr lang="en-GB" smtClean="0"/>
-              <a:t>16/02/2024</a:t>
+              <a:t>13/02/2025</a:t>
             </a:fld>
             <a:endParaRPr lang="en-GB"/>
           </a:p>
@@ -5628,7 +5665,7 @@
           <a:p>
             <a:fld id="{F8A5948D-6B6B-4AEB-B022-F2A9ADD6F77D}" type="datetimeFigureOut">
               <a:rPr lang="en-GB" smtClean="0"/>
-              <a:t>16/02/2024</a:t>
+              <a:t>13/02/2025</a:t>
             </a:fld>
             <a:endParaRPr lang="en-GB"/>
           </a:p>
@@ -5741,7 +5778,7 @@
           <a:p>
             <a:fld id="{F8A5948D-6B6B-4AEB-B022-F2A9ADD6F77D}" type="datetimeFigureOut">
               <a:rPr lang="en-GB" smtClean="0"/>
-              <a:t>16/02/2024</a:t>
+              <a:t>13/02/2025</a:t>
             </a:fld>
             <a:endParaRPr lang="en-GB"/>
           </a:p>
@@ -6017,7 +6054,7 @@
           <a:p>
             <a:fld id="{748D5B09-12A7-4EF1-A404-D455741B18AB}" type="datetimeFigureOut">
               <a:rPr lang="en-GB" smtClean="0"/>
-              <a:t>16/02/2024</a:t>
+              <a:t>13/02/2025</a:t>
             </a:fld>
             <a:endParaRPr lang="en-GB"/>
           </a:p>
@@ -6330,7 +6367,7 @@
           <a:p>
             <a:fld id="{F8A5948D-6B6B-4AEB-B022-F2A9ADD6F77D}" type="datetimeFigureOut">
               <a:rPr lang="en-GB" smtClean="0"/>
-              <a:t>16/02/2024</a:t>
+              <a:t>13/02/2025</a:t>
             </a:fld>
             <a:endParaRPr lang="en-GB"/>
           </a:p>
@@ -6619,7 +6656,7 @@
           <a:p>
             <a:fld id="{F8A5948D-6B6B-4AEB-B022-F2A9ADD6F77D}" type="datetimeFigureOut">
               <a:rPr lang="en-GB" smtClean="0"/>
-              <a:t>16/02/2024</a:t>
+              <a:t>13/02/2025</a:t>
             </a:fld>
             <a:endParaRPr lang="en-GB"/>
           </a:p>
@@ -6819,7 +6856,7 @@
           <a:p>
             <a:fld id="{F8A5948D-6B6B-4AEB-B022-F2A9ADD6F77D}" type="datetimeFigureOut">
               <a:rPr lang="en-GB" smtClean="0"/>
-              <a:t>16/02/2024</a:t>
+              <a:t>13/02/2025</a:t>
             </a:fld>
             <a:endParaRPr lang="en-GB"/>
           </a:p>
@@ -7029,7 +7066,7 @@
           <a:p>
             <a:fld id="{F8A5948D-6B6B-4AEB-B022-F2A9ADD6F77D}" type="datetimeFigureOut">
               <a:rPr lang="en-GB" smtClean="0"/>
-              <a:t>16/02/2024</a:t>
+              <a:t>13/02/2025</a:t>
             </a:fld>
             <a:endParaRPr lang="en-GB"/>
           </a:p>
@@ -7297,7 +7334,7 @@
           <a:p>
             <a:fld id="{748D5B09-12A7-4EF1-A404-D455741B18AB}" type="datetimeFigureOut">
               <a:rPr lang="en-GB" smtClean="0"/>
-              <a:t>16/02/2024</a:t>
+              <a:t>13/02/2025</a:t>
             </a:fld>
             <a:endParaRPr lang="en-GB"/>
           </a:p>
@@ -7712,7 +7749,7 @@
           <a:p>
             <a:fld id="{748D5B09-12A7-4EF1-A404-D455741B18AB}" type="datetimeFigureOut">
               <a:rPr lang="en-GB" smtClean="0"/>
-              <a:t>16/02/2024</a:t>
+              <a:t>13/02/2025</a:t>
             </a:fld>
             <a:endParaRPr lang="en-GB"/>
           </a:p>
@@ -7854,7 +7891,7 @@
           <a:p>
             <a:fld id="{748D5B09-12A7-4EF1-A404-D455741B18AB}" type="datetimeFigureOut">
               <a:rPr lang="en-GB" smtClean="0"/>
-              <a:t>16/02/2024</a:t>
+              <a:t>13/02/2025</a:t>
             </a:fld>
             <a:endParaRPr lang="en-GB"/>
           </a:p>
@@ -7967,7 +8004,7 @@
           <a:p>
             <a:fld id="{748D5B09-12A7-4EF1-A404-D455741B18AB}" type="datetimeFigureOut">
               <a:rPr lang="en-GB" smtClean="0"/>
-              <a:t>16/02/2024</a:t>
+              <a:t>13/02/2025</a:t>
             </a:fld>
             <a:endParaRPr lang="en-GB"/>
           </a:p>
@@ -8280,7 +8317,7 @@
           <a:p>
             <a:fld id="{748D5B09-12A7-4EF1-A404-D455741B18AB}" type="datetimeFigureOut">
               <a:rPr lang="en-GB" smtClean="0"/>
-              <a:t>16/02/2024</a:t>
+              <a:t>13/02/2025</a:t>
             </a:fld>
             <a:endParaRPr lang="en-GB"/>
           </a:p>
@@ -8569,7 +8606,7 @@
           <a:p>
             <a:fld id="{748D5B09-12A7-4EF1-A404-D455741B18AB}" type="datetimeFigureOut">
               <a:rPr lang="en-GB" smtClean="0"/>
-              <a:t>16/02/2024</a:t>
+              <a:t>13/02/2025</a:t>
             </a:fld>
             <a:endParaRPr lang="en-GB"/>
           </a:p>
@@ -8812,7 +8849,7 @@
           <a:p>
             <a:fld id="{748D5B09-12A7-4EF1-A404-D455741B18AB}" type="datetimeFigureOut">
               <a:rPr lang="en-GB" smtClean="0"/>
-              <a:t>16/02/2024</a:t>
+              <a:t>13/02/2025</a:t>
             </a:fld>
             <a:endParaRPr lang="en-GB"/>
           </a:p>
@@ -10048,7 +10085,7 @@
           <a:p>
             <a:fld id="{F8A5948D-6B6B-4AEB-B022-F2A9ADD6F77D}" type="datetimeFigureOut">
               <a:rPr lang="en-GB" smtClean="0"/>
-              <a:t>16/02/2024</a:t>
+              <a:t>13/02/2025</a:t>
             </a:fld>
             <a:endParaRPr lang="en-GB"/>
           </a:p>
@@ -28700,7 +28737,7 @@
           <p:nvPr/>
         </p:nvPicPr>
         <p:blipFill>
-          <a:blip r:embed="rId4" cstate="print"/>
+          <a:blip r:embed="rId5" cstate="print"/>
           <a:srcRect/>
           <a:stretch>
             <a:fillRect/>
@@ -28725,26 +28762,31 @@
       </p:pic>
       <p:pic>
         <p:nvPicPr>
-          <p:cNvPr id="7" name="basicvib.mp3">
+          <p:cNvPr id="7" name="basicvib">
             <a:hlinkClick r:id="" action="ppaction://media"/>
           </p:cNvPr>
           <p:cNvPicPr>
-            <a:picLocks noRot="1" noChangeAspect="1"/>
+            <a:picLocks noChangeAspect="1"/>
           </p:cNvPicPr>
           <p:nvPr>
-            <a:audioFile r:link="rId1"/>
+            <a:audioFile r:link="rId2"/>
+            <p:extLst>
+              <p:ext uri="{DAA4B4D4-6D71-4841-9C94-3DE7FCFB9230}">
+                <p14:media xmlns:p14="http://schemas.microsoft.com/office/powerpoint/2010/main" r:embed="rId1"/>
+              </p:ext>
+            </p:extLst>
           </p:nvPr>
         </p:nvPicPr>
         <p:blipFill>
-          <a:blip r:embed="rId5" cstate="print"/>
+          <a:blip r:embed="rId6"/>
           <a:stretch>
             <a:fillRect/>
           </a:stretch>
         </p:blipFill>
         <p:spPr>
           <a:xfrm>
-            <a:off x="9032576" y="3985937"/>
-            <a:ext cx="563948" cy="563948"/>
+            <a:off x="8095350" y="3048711"/>
+            <a:ext cx="2438400" cy="2438400"/>
           </a:xfrm>
           <a:prstGeom prst="rect">
             <a:avLst/>
@@ -29556,7 +29598,7 @@
                                   <p:childTnLst>
                                     <p:cmd type="call" cmd="playFrom(0.0)">
                                       <p:cBhvr>
-                                        <p:cTn id="6" dur="27667" fill="hold"/>
+                                        <p:cTn id="6" dur="27533" fill="hold"/>
                                         <p:tgtEl>
                                           <p:spTgt spid="7"/>
                                         </p:tgtEl>
